--- a/Project Presentation.pptx
+++ b/Project Presentation.pptx
@@ -116,6 +116,11 @@
       </a:defRPr>
     </a:lvl9pPr>
   </p:defaultTextStyle>
+  <p:extLst>
+    <p:ext uri="{EFAFB233-063F-42B5-8137-9DF3F51BA10A}">
+      <p15:sldGuideLst xmlns:p15="http://schemas.microsoft.com/office/powerpoint/2012/main"/>
+    </p:ext>
+  </p:extLst>
 </p:presentation>
 </file>
 
@@ -4976,7 +4981,7 @@
         </p:blipFill>
         <p:spPr>
           <a:xfrm>
-            <a:off x="1295400" y="3065672"/>
+            <a:off x="4159898" y="3065672"/>
             <a:ext cx="3104305" cy="2150923"/>
           </a:xfrm>
           <a:prstGeom prst="rect">
@@ -4998,7 +5003,7 @@
         </p:nvSpPr>
         <p:spPr>
           <a:xfrm>
-            <a:off x="1390261" y="5421086"/>
+            <a:off x="4254759" y="5421086"/>
             <a:ext cx="2855168" cy="369332"/>
           </a:xfrm>
           <a:prstGeom prst="rect">
@@ -5015,7 +5020,7 @@
             <a:pPr algn="ctr"/>
             <a:r>
               <a:rPr lang="en-US" dirty="0"/>
-              <a:t>(A sample input table)</a:t>
+              <a:t>(CSV to table)</a:t>
             </a:r>
           </a:p>
         </p:txBody>
@@ -5034,8 +5039,8 @@
         </p:nvSpPr>
         <p:spPr>
           <a:xfrm>
-            <a:off x="5253135" y="3389761"/>
-            <a:ext cx="5643465" cy="2031325"/>
+            <a:off x="7473820" y="3389761"/>
+            <a:ext cx="3422780" cy="2862322"/>
           </a:xfrm>
           <a:prstGeom prst="rect">
             <a:avLst/>
@@ -5066,6 +5071,72 @@
             <a:r>
               <a:rPr lang="en-US" dirty="0"/>
               <a:t>- Max Intake size does not need to be constant.</a:t>
+            </a:r>
+          </a:p>
+        </p:txBody>
+      </p:sp>
+      <p:pic>
+        <p:nvPicPr>
+          <p:cNvPr id="9" name="Picture 8">
+            <a:extLst>
+              <a:ext uri="{FF2B5EF4-FFF2-40B4-BE49-F238E27FC236}">
+                <a16:creationId xmlns:a16="http://schemas.microsoft.com/office/drawing/2014/main" id="{50853A9C-0842-794A-A471-5E54B2D150E3}"/>
+              </a:ext>
+            </a:extLst>
+          </p:cNvPr>
+          <p:cNvPicPr>
+            <a:picLocks noChangeAspect="1"/>
+          </p:cNvPicPr>
+          <p:nvPr/>
+        </p:nvPicPr>
+        <p:blipFill>
+          <a:blip r:embed="rId3"/>
+          <a:stretch>
+            <a:fillRect/>
+          </a:stretch>
+        </p:blipFill>
+        <p:spPr>
+          <a:xfrm>
+            <a:off x="816288" y="3429000"/>
+            <a:ext cx="2867749" cy="1850161"/>
+          </a:xfrm>
+          <a:prstGeom prst="rect">
+            <a:avLst/>
+          </a:prstGeom>
+        </p:spPr>
+      </p:pic>
+      <p:sp>
+        <p:nvSpPr>
+          <p:cNvPr id="10" name="TextBox 9">
+            <a:extLst>
+              <a:ext uri="{FF2B5EF4-FFF2-40B4-BE49-F238E27FC236}">
+                <a16:creationId xmlns:a16="http://schemas.microsoft.com/office/drawing/2014/main" id="{D29AA06A-0D94-C5C0-7026-F82202CA3F38}"/>
+              </a:ext>
+            </a:extLst>
+          </p:cNvPr>
+          <p:cNvSpPr txBox="1"/>
+          <p:nvPr/>
+        </p:nvSpPr>
+        <p:spPr>
+          <a:xfrm>
+            <a:off x="816288" y="5444827"/>
+            <a:ext cx="2867748" cy="369332"/>
+          </a:xfrm>
+          <a:prstGeom prst="rect">
+            <a:avLst/>
+          </a:prstGeom>
+          <a:noFill/>
+        </p:spPr>
+        <p:txBody>
+          <a:bodyPr wrap="square" rtlCol="0">
+            <a:spAutoFit/>
+          </a:bodyPr>
+          <a:lstStyle/>
+          <a:p>
+            <a:pPr algn="ctr"/>
+            <a:r>
+              <a:rPr lang="en-US" dirty="0"/>
+              <a:t>(CSV input)</a:t>
             </a:r>
           </a:p>
         </p:txBody>
@@ -5392,8 +5463,8 @@
         </p:blipFill>
         <p:spPr>
           <a:xfrm>
-            <a:off x="1295400" y="3429000"/>
-            <a:ext cx="4148015" cy="2486608"/>
+            <a:off x="4376057" y="3734174"/>
+            <a:ext cx="3638939" cy="2181433"/>
           </a:xfrm>
           <a:prstGeom prst="rect">
             <a:avLst/>
@@ -5414,7 +5485,7 @@
         </p:nvSpPr>
         <p:spPr>
           <a:xfrm>
-            <a:off x="1941823" y="5810667"/>
+            <a:off x="4767942" y="5810667"/>
             <a:ext cx="2855168" cy="369332"/>
           </a:xfrm>
           <a:prstGeom prst="rect">
@@ -5431,7 +5502,7 @@
             <a:pPr algn="ctr"/>
             <a:r>
               <a:rPr lang="en-US" dirty="0"/>
-              <a:t>(A sample input table)</a:t>
+              <a:t>(CSV to table)</a:t>
             </a:r>
           </a:p>
         </p:txBody>
@@ -5450,8 +5521,8 @@
         </p:nvSpPr>
         <p:spPr>
           <a:xfrm>
-            <a:off x="5710335" y="3770294"/>
-            <a:ext cx="5643465" cy="1754326"/>
+            <a:off x="8014996" y="3770294"/>
+            <a:ext cx="3338804" cy="2585323"/>
           </a:xfrm>
           <a:prstGeom prst="rect">
             <a:avLst/>
@@ -5476,6 +5547,72 @@
             <a:r>
               <a:rPr lang="en-US" dirty="0"/>
               <a:t>- Student B and Student C both have Course C2 in their Selection 1, but Student C will be given first preference since Student C has higher priority number or the number implies that Student C has registered first.</a:t>
+            </a:r>
+          </a:p>
+        </p:txBody>
+      </p:sp>
+      <p:pic>
+        <p:nvPicPr>
+          <p:cNvPr id="4" name="Picture 3">
+            <a:extLst>
+              <a:ext uri="{FF2B5EF4-FFF2-40B4-BE49-F238E27FC236}">
+                <a16:creationId xmlns:a16="http://schemas.microsoft.com/office/drawing/2014/main" id="{8462DE13-CD1A-0556-4145-A7F5B81B6FC9}"/>
+              </a:ext>
+            </a:extLst>
+          </p:cNvPr>
+          <p:cNvPicPr>
+            <a:picLocks noChangeAspect="1"/>
+          </p:cNvPicPr>
+          <p:nvPr/>
+        </p:nvPicPr>
+        <p:blipFill>
+          <a:blip r:embed="rId3"/>
+          <a:stretch>
+            <a:fillRect/>
+          </a:stretch>
+        </p:blipFill>
+        <p:spPr>
+          <a:xfrm>
+            <a:off x="674785" y="3998305"/>
+            <a:ext cx="3465396" cy="1812362"/>
+          </a:xfrm>
+          <a:prstGeom prst="rect">
+            <a:avLst/>
+          </a:prstGeom>
+        </p:spPr>
+      </p:pic>
+      <p:sp>
+        <p:nvSpPr>
+          <p:cNvPr id="5" name="TextBox 4">
+            <a:extLst>
+              <a:ext uri="{FF2B5EF4-FFF2-40B4-BE49-F238E27FC236}">
+                <a16:creationId xmlns:a16="http://schemas.microsoft.com/office/drawing/2014/main" id="{1415070E-158F-68BD-633E-B31C291FE80A}"/>
+              </a:ext>
+            </a:extLst>
+          </p:cNvPr>
+          <p:cNvSpPr txBox="1"/>
+          <p:nvPr/>
+        </p:nvSpPr>
+        <p:spPr>
+          <a:xfrm>
+            <a:off x="979899" y="5810667"/>
+            <a:ext cx="2855168" cy="369332"/>
+          </a:xfrm>
+          <a:prstGeom prst="rect">
+            <a:avLst/>
+          </a:prstGeom>
+          <a:noFill/>
+        </p:spPr>
+        <p:txBody>
+          <a:bodyPr wrap="square" rtlCol="0">
+            <a:spAutoFit/>
+          </a:bodyPr>
+          <a:lstStyle/>
+          <a:p>
+            <a:pPr algn="ctr"/>
+            <a:r>
+              <a:rPr lang="en-US" dirty="0"/>
+              <a:t>(CSV Input)</a:t>
             </a:r>
           </a:p>
         </p:txBody>

--- a/Project Presentation.pptx
+++ b/Project Presentation.pptx
@@ -18,6 +18,7 @@
     <p:sldId id="266" r:id="rId12"/>
     <p:sldId id="267" r:id="rId13"/>
     <p:sldId id="268" r:id="rId14"/>
+    <p:sldId id="269" r:id="rId15"/>
   </p:sldIdLst>
   <p:sldSz cx="12192000" cy="6858000"/>
   <p:notesSz cx="6858000" cy="9144000"/>
@@ -4345,6 +4346,75 @@
 </p:sld>
 </file>
 
+<file path=ppt/slides/slide14.xml><?xml version="1.0" encoding="utf-8"?>
+<p:sld xmlns:a="http://schemas.openxmlformats.org/drawingml/2006/main" xmlns:r="http://schemas.openxmlformats.org/officeDocument/2006/relationships" xmlns:p="http://schemas.openxmlformats.org/presentationml/2006/main">
+  <p:cSld>
+    <p:spTree>
+      <p:nvGrpSpPr>
+        <p:cNvPr id="1" name=""/>
+        <p:cNvGrpSpPr/>
+        <p:nvPr/>
+      </p:nvGrpSpPr>
+      <p:grpSpPr>
+        <a:xfrm>
+          <a:off x="0" y="0"/>
+          <a:ext cx="0" cy="0"/>
+          <a:chOff x="0" y="0"/>
+          <a:chExt cx="0" cy="0"/>
+        </a:xfrm>
+      </p:grpSpPr>
+      <p:sp>
+        <p:nvSpPr>
+          <p:cNvPr id="3" name="TextBox 2">
+            <a:extLst>
+              <a:ext uri="{FF2B5EF4-FFF2-40B4-BE49-F238E27FC236}">
+                <a16:creationId xmlns:a16="http://schemas.microsoft.com/office/drawing/2014/main" id="{C67C28C3-36DA-03BF-008B-75700FA7C528}"/>
+              </a:ext>
+            </a:extLst>
+          </p:cNvPr>
+          <p:cNvSpPr txBox="1"/>
+          <p:nvPr/>
+        </p:nvSpPr>
+        <p:spPr>
+          <a:xfrm>
+            <a:off x="3356102" y="2413337"/>
+            <a:ext cx="5479791" cy="1015663"/>
+          </a:xfrm>
+          <a:prstGeom prst="rect">
+            <a:avLst/>
+          </a:prstGeom>
+          <a:noFill/>
+        </p:spPr>
+        <p:txBody>
+          <a:bodyPr wrap="square" rtlCol="0">
+            <a:spAutoFit/>
+          </a:bodyPr>
+          <a:lstStyle/>
+          <a:p>
+            <a:pPr algn="ctr"/>
+            <a:r>
+              <a:rPr lang="en-US" sz="6000" dirty="0">
+                <a:ea typeface="ADLaM Display" panose="020F0502020204030204" pitchFamily="2" charset="0"/>
+                <a:cs typeface="ADLaM Display" panose="020F0502020204030204" pitchFamily="2" charset="0"/>
+              </a:rPr>
+              <a:t>Thank You!</a:t>
+            </a:r>
+          </a:p>
+        </p:txBody>
+      </p:sp>
+    </p:spTree>
+    <p:extLst>
+      <p:ext uri="{BB962C8B-B14F-4D97-AF65-F5344CB8AC3E}">
+        <p14:creationId xmlns:p14="http://schemas.microsoft.com/office/powerpoint/2010/main" val="4153663912"/>
+      </p:ext>
+    </p:extLst>
+  </p:cSld>
+  <p:clrMapOvr>
+    <a:masterClrMapping/>
+  </p:clrMapOvr>
+</p:sld>
+</file>
+
 <file path=ppt/slides/slide2.xml><?xml version="1.0" encoding="utf-8"?>
 <p:sld xmlns:a="http://schemas.openxmlformats.org/drawingml/2006/main" xmlns:r="http://schemas.openxmlformats.org/officeDocument/2006/relationships" xmlns:p="http://schemas.openxmlformats.org/presentationml/2006/main">
   <p:cSld>
@@ -4376,8 +4446,8 @@
         </p:nvSpPr>
         <p:spPr>
           <a:xfrm>
-            <a:off x="3253365" y="2413337"/>
-            <a:ext cx="5685261" cy="1015663"/>
+            <a:off x="1211420" y="2413337"/>
+            <a:ext cx="9769151" cy="1015663"/>
           </a:xfrm>
           <a:prstGeom prst="rect">
             <a:avLst/>
@@ -4396,7 +4466,7 @@
                 <a:ea typeface="ADLaM Display" panose="020F0502020204030204" pitchFamily="2" charset="0"/>
                 <a:cs typeface="ADLaM Display" panose="020F0502020204030204" pitchFamily="2" charset="0"/>
               </a:rPr>
-              <a:t>“Course Planner”</a:t>
+              <a:t>“Course Roster Generator”</a:t>
             </a:r>
           </a:p>
         </p:txBody>
@@ -4415,7 +4485,7 @@
         </p:nvSpPr>
         <p:spPr>
           <a:xfrm>
-            <a:off x="4957662" y="1951672"/>
+            <a:off x="4957660" y="1951672"/>
             <a:ext cx="2276669" cy="461665"/>
           </a:xfrm>
           <a:prstGeom prst="rect">
